--- a/report/mid presentation.pptx
+++ b/report/mid presentation.pptx
@@ -306,7 +306,7 @@
             <a:fld id="{A492E1B7-DCE1-4ED9-9702-5C4330D65274}" type="datetimeFigureOut">
               <a:rPr lang="ko-KR" altLang="en-US" smtClean="0"/>
               <a:pPr/>
-              <a:t>2012-11-04</a:t>
+              <a:t>2012-11-05</a:t>
             </a:fld>
             <a:endParaRPr lang="ko-KR" altLang="en-US"/>
           </a:p>
@@ -473,7 +473,7 @@
             <a:fld id="{A492E1B7-DCE1-4ED9-9702-5C4330D65274}" type="datetimeFigureOut">
               <a:rPr lang="ko-KR" altLang="en-US" smtClean="0"/>
               <a:pPr/>
-              <a:t>2012-11-04</a:t>
+              <a:t>2012-11-05</a:t>
             </a:fld>
             <a:endParaRPr lang="ko-KR" altLang="en-US"/>
           </a:p>
@@ -650,7 +650,7 @@
             <a:fld id="{A492E1B7-DCE1-4ED9-9702-5C4330D65274}" type="datetimeFigureOut">
               <a:rPr lang="ko-KR" altLang="en-US" smtClean="0"/>
               <a:pPr/>
-              <a:t>2012-11-04</a:t>
+              <a:t>2012-11-05</a:t>
             </a:fld>
             <a:endParaRPr lang="ko-KR" altLang="en-US"/>
           </a:p>
@@ -817,7 +817,7 @@
             <a:fld id="{A492E1B7-DCE1-4ED9-9702-5C4330D65274}" type="datetimeFigureOut">
               <a:rPr lang="ko-KR" altLang="en-US" smtClean="0"/>
               <a:pPr/>
-              <a:t>2012-11-04</a:t>
+              <a:t>2012-11-05</a:t>
             </a:fld>
             <a:endParaRPr lang="ko-KR" altLang="en-US"/>
           </a:p>
@@ -1060,7 +1060,7 @@
             <a:fld id="{A492E1B7-DCE1-4ED9-9702-5C4330D65274}" type="datetimeFigureOut">
               <a:rPr lang="ko-KR" altLang="en-US" smtClean="0"/>
               <a:pPr/>
-              <a:t>2012-11-04</a:t>
+              <a:t>2012-11-05</a:t>
             </a:fld>
             <a:endParaRPr lang="ko-KR" altLang="en-US"/>
           </a:p>
@@ -1345,7 +1345,7 @@
             <a:fld id="{A492E1B7-DCE1-4ED9-9702-5C4330D65274}" type="datetimeFigureOut">
               <a:rPr lang="ko-KR" altLang="en-US" smtClean="0"/>
               <a:pPr/>
-              <a:t>2012-11-04</a:t>
+              <a:t>2012-11-05</a:t>
             </a:fld>
             <a:endParaRPr lang="ko-KR" altLang="en-US"/>
           </a:p>
@@ -1764,7 +1764,7 @@
             <a:fld id="{A492E1B7-DCE1-4ED9-9702-5C4330D65274}" type="datetimeFigureOut">
               <a:rPr lang="ko-KR" altLang="en-US" smtClean="0"/>
               <a:pPr/>
-              <a:t>2012-11-04</a:t>
+              <a:t>2012-11-05</a:t>
             </a:fld>
             <a:endParaRPr lang="ko-KR" altLang="en-US"/>
           </a:p>
@@ -1879,7 +1879,7 @@
             <a:fld id="{A492E1B7-DCE1-4ED9-9702-5C4330D65274}" type="datetimeFigureOut">
               <a:rPr lang="ko-KR" altLang="en-US" smtClean="0"/>
               <a:pPr/>
-              <a:t>2012-11-04</a:t>
+              <a:t>2012-11-05</a:t>
             </a:fld>
             <a:endParaRPr lang="ko-KR" altLang="en-US"/>
           </a:p>
@@ -1971,7 +1971,7 @@
             <a:fld id="{A492E1B7-DCE1-4ED9-9702-5C4330D65274}" type="datetimeFigureOut">
               <a:rPr lang="ko-KR" altLang="en-US" smtClean="0"/>
               <a:pPr/>
-              <a:t>2012-11-04</a:t>
+              <a:t>2012-11-05</a:t>
             </a:fld>
             <a:endParaRPr lang="ko-KR" altLang="en-US"/>
           </a:p>
@@ -2245,7 +2245,7 @@
             <a:fld id="{A492E1B7-DCE1-4ED9-9702-5C4330D65274}" type="datetimeFigureOut">
               <a:rPr lang="ko-KR" altLang="en-US" smtClean="0"/>
               <a:pPr/>
-              <a:t>2012-11-04</a:t>
+              <a:t>2012-11-05</a:t>
             </a:fld>
             <a:endParaRPr lang="ko-KR" altLang="en-US"/>
           </a:p>
@@ -2495,7 +2495,7 @@
             <a:fld id="{A492E1B7-DCE1-4ED9-9702-5C4330D65274}" type="datetimeFigureOut">
               <a:rPr lang="ko-KR" altLang="en-US" smtClean="0"/>
               <a:pPr/>
-              <a:t>2012-11-04</a:t>
+              <a:t>2012-11-05</a:t>
             </a:fld>
             <a:endParaRPr lang="ko-KR" altLang="en-US"/>
           </a:p>
@@ -2705,7 +2705,7 @@
             <a:fld id="{A492E1B7-DCE1-4ED9-9702-5C4330D65274}" type="datetimeFigureOut">
               <a:rPr lang="ko-KR" altLang="en-US" smtClean="0"/>
               <a:pPr/>
-              <a:t>2012-11-04</a:t>
+              <a:t>2012-11-05</a:t>
             </a:fld>
             <a:endParaRPr lang="ko-KR" altLang="en-US"/>
           </a:p>
@@ -3124,7 +3124,7 @@
         <p:spPr>
           <a:xfrm>
             <a:off x="35496" y="35332"/>
-            <a:ext cx="1656184" cy="369332"/>
+            <a:ext cx="1800200" cy="369332"/>
           </a:xfrm>
           <a:prstGeom prst="rect">
             <a:avLst/>
@@ -3159,7 +3159,7 @@
             </a:r>
             <a:r>
               <a:rPr lang="en-US" altLang="ko-KR" b="1" dirty="0" err="1" smtClean="0"/>
-              <a:t>Uni</a:t>
+              <a:t>Univ</a:t>
             </a:r>
             <a:endParaRPr lang="ko-KR" altLang="en-US" b="1" dirty="0"/>
           </a:p>
@@ -3235,7 +3235,7 @@
                 <a:latin typeface="+mj-lt"/>
                 <a:ea typeface="HY견고딕" pitchFamily="18" charset="-127"/>
               </a:rPr>
-              <a:t>Uni</a:t>
+              <a:t>Univ</a:t>
             </a:r>
             <a:endParaRPr lang="ko-KR" altLang="en-US" sz="3600" b="1" dirty="0">
               <a:solidFill>
@@ -3854,32 +3854,6 @@
           </a:p>
         </p:txBody>
       </p:sp>
-      <p:pic>
-        <p:nvPicPr>
-          <p:cNvPr id="12" name="그림 11" descr="명지ui 레드.jpg"/>
-          <p:cNvPicPr>
-            <a:picLocks noChangeAspect="1"/>
-          </p:cNvPicPr>
-          <p:nvPr/>
-        </p:nvPicPr>
-        <p:blipFill>
-          <a:blip r:embed="rId3" cstate="print">
-            <a:lum bright="75000"/>
-          </a:blip>
-          <a:stretch>
-            <a:fillRect/>
-          </a:stretch>
-        </p:blipFill>
-        <p:spPr>
-          <a:xfrm>
-            <a:off x="2771800" y="1124744"/>
-            <a:ext cx="5191125" cy="5305425"/>
-          </a:xfrm>
-          <a:prstGeom prst="rect">
-            <a:avLst/>
-          </a:prstGeom>
-        </p:spPr>
-      </p:pic>
       <p:sp>
         <p:nvSpPr>
           <p:cNvPr id="14" name="TextBox 13"/>
@@ -3954,15 +3928,15 @@
           <p:nvPr/>
         </p:nvPicPr>
         <p:blipFill>
-          <a:blip r:embed="rId4" cstate="print"/>
+          <a:blip r:embed="rId3" cstate="print"/>
           <a:stretch>
             <a:fillRect/>
           </a:stretch>
         </p:blipFill>
         <p:spPr>
           <a:xfrm>
-            <a:off x="2475236" y="1707539"/>
-            <a:ext cx="6057204" cy="4313749"/>
+            <a:off x="2506425" y="1947955"/>
+            <a:ext cx="6057204" cy="3816424"/>
           </a:xfrm>
           <a:prstGeom prst="rect">
             <a:avLst/>
@@ -4378,32 +4352,6 @@
           </a:p>
         </p:txBody>
       </p:sp>
-      <p:pic>
-        <p:nvPicPr>
-          <p:cNvPr id="12" name="그림 11" descr="명지ui 레드.jpg"/>
-          <p:cNvPicPr>
-            <a:picLocks noChangeAspect="1"/>
-          </p:cNvPicPr>
-          <p:nvPr/>
-        </p:nvPicPr>
-        <p:blipFill>
-          <a:blip r:embed="rId3" cstate="print">
-            <a:lum bright="75000"/>
-          </a:blip>
-          <a:stretch>
-            <a:fillRect/>
-          </a:stretch>
-        </p:blipFill>
-        <p:spPr>
-          <a:xfrm>
-            <a:off x="2771800" y="1124744"/>
-            <a:ext cx="5191125" cy="5305425"/>
-          </a:xfrm>
-          <a:prstGeom prst="rect">
-            <a:avLst/>
-          </a:prstGeom>
-        </p:spPr>
-      </p:pic>
       <p:sp>
         <p:nvSpPr>
           <p:cNvPr id="14" name="TextBox 13"/>
@@ -4478,7 +4426,7 @@
           <p:nvPr/>
         </p:nvPicPr>
         <p:blipFill>
-          <a:blip r:embed="rId4" cstate="print"/>
+          <a:blip r:embed="rId3" cstate="print"/>
           <a:stretch>
             <a:fillRect/>
           </a:stretch>
@@ -4902,32 +4850,6 @@
           </a:p>
         </p:txBody>
       </p:sp>
-      <p:pic>
-        <p:nvPicPr>
-          <p:cNvPr id="12" name="그림 11" descr="명지ui 레드.jpg"/>
-          <p:cNvPicPr>
-            <a:picLocks noChangeAspect="1"/>
-          </p:cNvPicPr>
-          <p:nvPr/>
-        </p:nvPicPr>
-        <p:blipFill>
-          <a:blip r:embed="rId3" cstate="print">
-            <a:lum bright="75000"/>
-          </a:blip>
-          <a:stretch>
-            <a:fillRect/>
-          </a:stretch>
-        </p:blipFill>
-        <p:spPr>
-          <a:xfrm>
-            <a:off x="2771800" y="1124744"/>
-            <a:ext cx="5191125" cy="5305425"/>
-          </a:xfrm>
-          <a:prstGeom prst="rect">
-            <a:avLst/>
-          </a:prstGeom>
-        </p:spPr>
-      </p:pic>
       <p:sp>
         <p:nvSpPr>
           <p:cNvPr id="14" name="TextBox 13"/>
@@ -5002,7 +4924,7 @@
           <p:nvPr/>
         </p:nvPicPr>
         <p:blipFill>
-          <a:blip r:embed="rId4" cstate="print"/>
+          <a:blip r:embed="rId3" cstate="print"/>
           <a:stretch>
             <a:fillRect/>
           </a:stretch>
@@ -5422,32 +5344,6 @@
           </a:p>
         </p:txBody>
       </p:sp>
-      <p:pic>
-        <p:nvPicPr>
-          <p:cNvPr id="13" name="그림 12" descr="명지ui 레드.jpg"/>
-          <p:cNvPicPr>
-            <a:picLocks noChangeAspect="1"/>
-          </p:cNvPicPr>
-          <p:nvPr/>
-        </p:nvPicPr>
-        <p:blipFill>
-          <a:blip r:embed="rId3" cstate="print">
-            <a:lum bright="75000"/>
-          </a:blip>
-          <a:stretch>
-            <a:fillRect/>
-          </a:stretch>
-        </p:blipFill>
-        <p:spPr>
-          <a:xfrm>
-            <a:off x="2771800" y="1124744"/>
-            <a:ext cx="5191125" cy="5305425"/>
-          </a:xfrm>
-          <a:prstGeom prst="rect">
-            <a:avLst/>
-          </a:prstGeom>
-        </p:spPr>
-      </p:pic>
       <p:sp>
         <p:nvSpPr>
           <p:cNvPr id="22" name="TextBox 21"/>
@@ -5540,14 +5436,14 @@
           <p:nvPr/>
         </p:nvPicPr>
         <p:blipFill>
-          <a:blip r:embed="rId4" cstate="print"/>
+          <a:blip r:embed="rId3" cstate="print"/>
           <a:stretch>
             <a:fillRect/>
           </a:stretch>
         </p:blipFill>
         <p:spPr>
           <a:xfrm>
-            <a:off x="2148764" y="2240437"/>
+            <a:off x="2051720" y="1992728"/>
             <a:ext cx="6815724" cy="3996875"/>
           </a:xfrm>
           <a:prstGeom prst="rect">
@@ -8643,7 +8539,15 @@
                   <a:schemeClr val="bg1"/>
                 </a:solidFill>
               </a:rPr>
-              <a:t> 10</a:t>
+              <a:t> </a:t>
+            </a:r>
+            <a:r>
+              <a:rPr lang="en-US" altLang="ko-KR" sz="3600" b="1" dirty="0" smtClean="0">
+                <a:solidFill>
+                  <a:schemeClr val="bg1"/>
+                </a:solidFill>
+              </a:rPr>
+              <a:t>10</a:t>
             </a:r>
             <a:endParaRPr lang="ko-KR" altLang="en-US" sz="3600" b="1" dirty="0">
               <a:solidFill>
@@ -12312,7 +12216,7 @@
           <a:p>
             <a:pPr algn="ctr"/>
             <a:r>
-              <a:rPr lang="en-US" altLang="ko-KR" b="1" smtClean="0"/>
+              <a:rPr lang="en-US" altLang="ko-KR" b="1" dirty="0" smtClean="0"/>
               <a:t>main</a:t>
             </a:r>
             <a:r>
@@ -12822,7 +12726,7 @@
         </p:nvSpPr>
         <p:spPr>
           <a:xfrm>
-            <a:off x="5062408" y="4365104"/>
+            <a:off x="5148064" y="4005064"/>
             <a:ext cx="894957" cy="691277"/>
           </a:xfrm>
           <a:prstGeom prst="roundRect">
@@ -12868,7 +12772,7 @@
         </p:nvSpPr>
         <p:spPr>
           <a:xfrm>
-            <a:off x="6848960" y="4365104"/>
+            <a:off x="6934616" y="4005064"/>
             <a:ext cx="894957" cy="691277"/>
           </a:xfrm>
           <a:prstGeom prst="roundRect">
@@ -12914,7 +12818,7 @@
         </p:nvSpPr>
         <p:spPr>
           <a:xfrm>
-            <a:off x="1475656" y="5057888"/>
+            <a:off x="1561312" y="4697848"/>
             <a:ext cx="894957" cy="691277"/>
           </a:xfrm>
           <a:prstGeom prst="roundRect">
@@ -12960,7 +12864,7 @@
         </p:nvSpPr>
         <p:spPr>
           <a:xfrm>
-            <a:off x="5957568" y="4365104"/>
+            <a:off x="6043224" y="4005064"/>
             <a:ext cx="894957" cy="691277"/>
           </a:xfrm>
           <a:prstGeom prst="roundRect">
@@ -13006,7 +12910,7 @@
         </p:nvSpPr>
         <p:spPr>
           <a:xfrm>
-            <a:off x="2370816" y="5057888"/>
+            <a:off x="2456472" y="4697848"/>
             <a:ext cx="894957" cy="691277"/>
           </a:xfrm>
           <a:prstGeom prst="roundRect">
@@ -13052,7 +12956,7 @@
         </p:nvSpPr>
         <p:spPr>
           <a:xfrm>
-            <a:off x="6845395" y="1601504"/>
+            <a:off x="6931051" y="1241464"/>
             <a:ext cx="894957" cy="691277"/>
           </a:xfrm>
           <a:prstGeom prst="roundRect">
@@ -13098,7 +13002,7 @@
         </p:nvSpPr>
         <p:spPr>
           <a:xfrm>
-            <a:off x="2370613" y="2292781"/>
+            <a:off x="2456269" y="1932741"/>
             <a:ext cx="894957" cy="691277"/>
           </a:xfrm>
           <a:prstGeom prst="roundRect">
@@ -13144,7 +13048,7 @@
         </p:nvSpPr>
         <p:spPr>
           <a:xfrm>
-            <a:off x="1475656" y="2292781"/>
+            <a:off x="1561312" y="1932741"/>
             <a:ext cx="894957" cy="691277"/>
           </a:xfrm>
           <a:prstGeom prst="roundRect">
@@ -13190,7 +13094,7 @@
         </p:nvSpPr>
         <p:spPr>
           <a:xfrm>
-            <a:off x="4160526" y="2292781"/>
+            <a:off x="4246182" y="1932741"/>
             <a:ext cx="894957" cy="691277"/>
           </a:xfrm>
           <a:prstGeom prst="roundRect">
@@ -13236,7 +13140,7 @@
         </p:nvSpPr>
         <p:spPr>
           <a:xfrm>
-            <a:off x="5055482" y="2292781"/>
+            <a:off x="5141138" y="1932741"/>
             <a:ext cx="894957" cy="691277"/>
           </a:xfrm>
           <a:prstGeom prst="roundRect">
@@ -13282,7 +13186,7 @@
         </p:nvSpPr>
         <p:spPr>
           <a:xfrm>
-            <a:off x="3265569" y="2292781"/>
+            <a:off x="3351225" y="1932741"/>
             <a:ext cx="894957" cy="691277"/>
           </a:xfrm>
           <a:prstGeom prst="roundRect">
@@ -13328,7 +13232,7 @@
         </p:nvSpPr>
         <p:spPr>
           <a:xfrm>
-            <a:off x="5950439" y="2292781"/>
+            <a:off x="6036095" y="1932741"/>
             <a:ext cx="894957" cy="691277"/>
           </a:xfrm>
           <a:prstGeom prst="roundRect">
@@ -13374,7 +13278,7 @@
         </p:nvSpPr>
         <p:spPr>
           <a:xfrm>
-            <a:off x="6845395" y="2292781"/>
+            <a:off x="6931051" y="1932741"/>
             <a:ext cx="894957" cy="691277"/>
           </a:xfrm>
           <a:prstGeom prst="roundRect">
@@ -13420,7 +13324,7 @@
         </p:nvSpPr>
         <p:spPr>
           <a:xfrm>
-            <a:off x="2370613" y="2984058"/>
+            <a:off x="2456269" y="2624018"/>
             <a:ext cx="894957" cy="691277"/>
           </a:xfrm>
           <a:prstGeom prst="roundRect">
@@ -13466,7 +13370,7 @@
         </p:nvSpPr>
         <p:spPr>
           <a:xfrm>
-            <a:off x="1475656" y="2984058"/>
+            <a:off x="1561312" y="2624018"/>
             <a:ext cx="894957" cy="691277"/>
           </a:xfrm>
           <a:prstGeom prst="roundRect">
@@ -13512,7 +13416,7 @@
         </p:nvSpPr>
         <p:spPr>
           <a:xfrm>
-            <a:off x="4160526" y="2984058"/>
+            <a:off x="4246182" y="2624018"/>
             <a:ext cx="894957" cy="691277"/>
           </a:xfrm>
           <a:prstGeom prst="roundRect">
@@ -13558,7 +13462,7 @@
         </p:nvSpPr>
         <p:spPr>
           <a:xfrm>
-            <a:off x="5055482" y="2984058"/>
+            <a:off x="5141138" y="2624018"/>
             <a:ext cx="894957" cy="691277"/>
           </a:xfrm>
           <a:prstGeom prst="roundRect">
@@ -13604,7 +13508,7 @@
         </p:nvSpPr>
         <p:spPr>
           <a:xfrm>
-            <a:off x="3265569" y="2984058"/>
+            <a:off x="3351225" y="2624018"/>
             <a:ext cx="894957" cy="691277"/>
           </a:xfrm>
           <a:prstGeom prst="roundRect">
@@ -13650,7 +13554,7 @@
         </p:nvSpPr>
         <p:spPr>
           <a:xfrm>
-            <a:off x="5950439" y="2984058"/>
+            <a:off x="6036095" y="2624018"/>
             <a:ext cx="894957" cy="691277"/>
           </a:xfrm>
           <a:prstGeom prst="roundRect">
@@ -13696,7 +13600,7 @@
         </p:nvSpPr>
         <p:spPr>
           <a:xfrm>
-            <a:off x="6845395" y="2984058"/>
+            <a:off x="6931051" y="2624018"/>
             <a:ext cx="894957" cy="691277"/>
           </a:xfrm>
           <a:prstGeom prst="roundRect">
@@ -13742,7 +13646,7 @@
         </p:nvSpPr>
         <p:spPr>
           <a:xfrm>
-            <a:off x="2370613" y="3675334"/>
+            <a:off x="2456269" y="3315294"/>
             <a:ext cx="894957" cy="691277"/>
           </a:xfrm>
           <a:prstGeom prst="roundRect">
@@ -13788,7 +13692,7 @@
         </p:nvSpPr>
         <p:spPr>
           <a:xfrm>
-            <a:off x="1475656" y="3675334"/>
+            <a:off x="1561312" y="3315294"/>
             <a:ext cx="894957" cy="691277"/>
           </a:xfrm>
           <a:prstGeom prst="roundRect">
@@ -13834,7 +13738,7 @@
         </p:nvSpPr>
         <p:spPr>
           <a:xfrm>
-            <a:off x="4160526" y="3675334"/>
+            <a:off x="4246182" y="3315294"/>
             <a:ext cx="894957" cy="691277"/>
           </a:xfrm>
           <a:prstGeom prst="roundRect">
@@ -13880,7 +13784,7 @@
         </p:nvSpPr>
         <p:spPr>
           <a:xfrm>
-            <a:off x="5055482" y="3675334"/>
+            <a:off x="5141138" y="3315294"/>
             <a:ext cx="894957" cy="691277"/>
           </a:xfrm>
           <a:prstGeom prst="roundRect">
@@ -13926,7 +13830,7 @@
         </p:nvSpPr>
         <p:spPr>
           <a:xfrm>
-            <a:off x="3265569" y="3675334"/>
+            <a:off x="3351225" y="3315294"/>
             <a:ext cx="894957" cy="691277"/>
           </a:xfrm>
           <a:prstGeom prst="roundRect">
@@ -13972,7 +13876,7 @@
         </p:nvSpPr>
         <p:spPr>
           <a:xfrm>
-            <a:off x="5950439" y="3675334"/>
+            <a:off x="6036095" y="3315294"/>
             <a:ext cx="894957" cy="691277"/>
           </a:xfrm>
           <a:prstGeom prst="roundRect">
@@ -14018,7 +13922,7 @@
         </p:nvSpPr>
         <p:spPr>
           <a:xfrm>
-            <a:off x="6845395" y="3675334"/>
+            <a:off x="6931051" y="3315294"/>
             <a:ext cx="894957" cy="691277"/>
           </a:xfrm>
           <a:prstGeom prst="roundRect">
@@ -14064,7 +13968,7 @@
         </p:nvSpPr>
         <p:spPr>
           <a:xfrm>
-            <a:off x="1475656" y="4366611"/>
+            <a:off x="1561312" y="4006571"/>
             <a:ext cx="894957" cy="691277"/>
           </a:xfrm>
           <a:prstGeom prst="roundRect">
@@ -14110,7 +14014,7 @@
         </p:nvSpPr>
         <p:spPr>
           <a:xfrm>
-            <a:off x="5593760" y="4318063"/>
+            <a:off x="5679416" y="3958023"/>
             <a:ext cx="449464" cy="307777"/>
           </a:xfrm>
           <a:prstGeom prst="rect">
@@ -14140,7 +14044,7 @@
         </p:nvSpPr>
         <p:spPr>
           <a:xfrm>
-            <a:off x="1331640" y="1700808"/>
+            <a:off x="1417296" y="1340768"/>
             <a:ext cx="1296144" cy="338554"/>
           </a:xfrm>
           <a:prstGeom prst="rect">
@@ -14178,7 +14082,7 @@
         </p:nvSpPr>
         <p:spPr>
           <a:xfrm>
-            <a:off x="2884752" y="5026824"/>
+            <a:off x="2970408" y="4666784"/>
             <a:ext cx="792088" cy="307777"/>
           </a:xfrm>
           <a:prstGeom prst="rect">
@@ -14208,7 +14112,7 @@
         </p:nvSpPr>
         <p:spPr>
           <a:xfrm>
-            <a:off x="6488920" y="4324160"/>
+            <a:off x="6574576" y="3964120"/>
             <a:ext cx="531352" cy="307777"/>
           </a:xfrm>
           <a:prstGeom prst="rect">
@@ -14238,7 +14142,7 @@
         </p:nvSpPr>
         <p:spPr>
           <a:xfrm>
-            <a:off x="7366664" y="4320392"/>
+            <a:off x="7452320" y="3960352"/>
             <a:ext cx="720080" cy="307777"/>
           </a:xfrm>
           <a:prstGeom prst="rect">
@@ -14268,7 +14172,7 @@
         </p:nvSpPr>
         <p:spPr>
           <a:xfrm>
-            <a:off x="1993360" y="5030592"/>
+            <a:off x="2079016" y="4670552"/>
             <a:ext cx="463112" cy="307777"/>
           </a:xfrm>
           <a:prstGeom prst="rect">
@@ -14298,7 +14202,7 @@
         </p:nvSpPr>
         <p:spPr>
           <a:xfrm>
-            <a:off x="7380312" y="1556792"/>
+            <a:off x="7465968" y="1196752"/>
             <a:ext cx="504056" cy="307777"/>
           </a:xfrm>
           <a:prstGeom prst="rect">
@@ -14328,7 +14232,7 @@
         </p:nvSpPr>
         <p:spPr>
           <a:xfrm>
-            <a:off x="2106312" y="2249576"/>
+            <a:off x="2191968" y="1889536"/>
             <a:ext cx="531352" cy="307777"/>
           </a:xfrm>
           <a:prstGeom prst="rect">
@@ -14358,7 +14262,7 @@
         </p:nvSpPr>
         <p:spPr>
           <a:xfrm>
-            <a:off x="3001472" y="2263224"/>
+            <a:off x="3087128" y="1903184"/>
             <a:ext cx="486640" cy="307777"/>
           </a:xfrm>
           <a:prstGeom prst="rect">
@@ -14388,7 +14292,7 @@
         </p:nvSpPr>
         <p:spPr>
           <a:xfrm>
-            <a:off x="3920160" y="2263224"/>
+            <a:off x="4005816" y="1903184"/>
             <a:ext cx="517704" cy="307777"/>
           </a:xfrm>
           <a:prstGeom prst="rect">
@@ -14418,7 +14322,7 @@
         </p:nvSpPr>
         <p:spPr>
           <a:xfrm>
-            <a:off x="2034304" y="2938592"/>
+            <a:off x="2119960" y="2578552"/>
             <a:ext cx="459344" cy="307777"/>
           </a:xfrm>
           <a:prstGeom prst="rect">
@@ -14448,7 +14352,7 @@
         </p:nvSpPr>
         <p:spPr>
           <a:xfrm>
-            <a:off x="2020656" y="3631376"/>
+            <a:off x="2106312" y="3271336"/>
             <a:ext cx="459344" cy="307777"/>
           </a:xfrm>
           <a:prstGeom prst="rect">
@@ -14478,7 +14382,7 @@
         </p:nvSpPr>
         <p:spPr>
           <a:xfrm>
-            <a:off x="2010776" y="4334040"/>
+            <a:off x="2096432" y="3974000"/>
             <a:ext cx="531352" cy="307777"/>
           </a:xfrm>
           <a:prstGeom prst="rect">
@@ -14508,7 +14412,7 @@
         </p:nvSpPr>
         <p:spPr>
           <a:xfrm>
-            <a:off x="2929464" y="2938592"/>
+            <a:off x="3015120" y="2578552"/>
             <a:ext cx="490408" cy="307777"/>
           </a:xfrm>
           <a:prstGeom prst="rect">
@@ -14538,7 +14442,7 @@
         </p:nvSpPr>
         <p:spPr>
           <a:xfrm>
-            <a:off x="2912048" y="3631376"/>
+            <a:off x="2997704" y="3271336"/>
             <a:ext cx="486640" cy="307777"/>
           </a:xfrm>
           <a:prstGeom prst="rect">
@@ -14568,7 +14472,7 @@
         </p:nvSpPr>
         <p:spPr>
           <a:xfrm>
-            <a:off x="4716016" y="2263224"/>
+            <a:off x="4801672" y="1903184"/>
             <a:ext cx="476760" cy="307777"/>
           </a:xfrm>
           <a:prstGeom prst="rect">
@@ -14598,7 +14502,7 @@
         </p:nvSpPr>
         <p:spPr>
           <a:xfrm>
-            <a:off x="3807208" y="2938592"/>
+            <a:off x="3892864" y="2578552"/>
             <a:ext cx="589712" cy="307777"/>
           </a:xfrm>
           <a:prstGeom prst="rect">
@@ -14628,7 +14532,7 @@
         </p:nvSpPr>
         <p:spPr>
           <a:xfrm>
-            <a:off x="3803440" y="3631376"/>
+            <a:off x="3889096" y="3271336"/>
             <a:ext cx="517704" cy="307777"/>
           </a:xfrm>
           <a:prstGeom prst="rect">
@@ -14658,7 +14562,7 @@
         </p:nvSpPr>
         <p:spPr>
           <a:xfrm>
-            <a:off x="4716016" y="2938592"/>
+            <a:off x="4801672" y="2578552"/>
             <a:ext cx="476760" cy="307777"/>
           </a:xfrm>
           <a:prstGeom prst="rect">
@@ -14688,7 +14592,7 @@
         </p:nvSpPr>
         <p:spPr>
           <a:xfrm>
-            <a:off x="4698600" y="3631376"/>
+            <a:off x="4784256" y="3271336"/>
             <a:ext cx="476760" cy="307777"/>
           </a:xfrm>
           <a:prstGeom prst="rect">
@@ -14718,7 +14622,7 @@
         </p:nvSpPr>
         <p:spPr>
           <a:xfrm>
-            <a:off x="5607408" y="2263224"/>
+            <a:off x="5693064" y="1903184"/>
             <a:ext cx="504056" cy="307777"/>
           </a:xfrm>
           <a:prstGeom prst="rect">
@@ -14748,7 +14652,7 @@
         </p:nvSpPr>
         <p:spPr>
           <a:xfrm>
-            <a:off x="5589992" y="2938592"/>
+            <a:off x="5675648" y="2578552"/>
             <a:ext cx="504056" cy="307777"/>
           </a:xfrm>
           <a:prstGeom prst="rect">
@@ -14778,7 +14682,7 @@
         </p:nvSpPr>
         <p:spPr>
           <a:xfrm>
-            <a:off x="5572576" y="3631376"/>
+            <a:off x="5658232" y="3271336"/>
             <a:ext cx="576064" cy="307777"/>
           </a:xfrm>
           <a:prstGeom prst="rect">
@@ -14808,7 +14712,7 @@
         </p:nvSpPr>
         <p:spPr>
           <a:xfrm>
-            <a:off x="6481384" y="2263224"/>
+            <a:off x="6567040" y="1903184"/>
             <a:ext cx="545000" cy="307777"/>
           </a:xfrm>
           <a:prstGeom prst="rect">
@@ -14838,7 +14742,7 @@
         </p:nvSpPr>
         <p:spPr>
           <a:xfrm>
-            <a:off x="7386424" y="2263224"/>
+            <a:off x="7472080" y="1903184"/>
             <a:ext cx="558648" cy="307777"/>
           </a:xfrm>
           <a:prstGeom prst="rect">
@@ -14868,7 +14772,7 @@
         </p:nvSpPr>
         <p:spPr>
           <a:xfrm>
-            <a:off x="6488920" y="2938592"/>
+            <a:off x="6574576" y="2578552"/>
             <a:ext cx="545000" cy="307777"/>
           </a:xfrm>
           <a:prstGeom prst="rect">
@@ -14898,7 +14802,7 @@
         </p:nvSpPr>
         <p:spPr>
           <a:xfrm>
-            <a:off x="7380312" y="2938592"/>
+            <a:off x="7465968" y="2578552"/>
             <a:ext cx="490408" cy="307777"/>
           </a:xfrm>
           <a:prstGeom prst="rect">
@@ -14928,7 +14832,7 @@
         </p:nvSpPr>
         <p:spPr>
           <a:xfrm>
-            <a:off x="6485152" y="3631376"/>
+            <a:off x="6570808" y="3271336"/>
             <a:ext cx="472992" cy="307777"/>
           </a:xfrm>
           <a:prstGeom prst="rect">
@@ -14958,7 +14862,7 @@
         </p:nvSpPr>
         <p:spPr>
           <a:xfrm>
-            <a:off x="7353016" y="3631376"/>
+            <a:off x="7438672" y="3271336"/>
             <a:ext cx="418400" cy="307777"/>
           </a:xfrm>
           <a:prstGeom prst="rect">
@@ -15365,7 +15269,7 @@
         </p:nvSpPr>
         <p:spPr>
           <a:xfrm>
-            <a:off x="2378149" y="4366611"/>
+            <a:off x="2463805" y="4006571"/>
             <a:ext cx="894957" cy="691277"/>
           </a:xfrm>
           <a:prstGeom prst="roundRect">
@@ -15411,7 +15315,7 @@
         </p:nvSpPr>
         <p:spPr>
           <a:xfrm>
-            <a:off x="2933232" y="4322653"/>
+            <a:off x="3018888" y="3962613"/>
             <a:ext cx="486640" cy="307777"/>
           </a:xfrm>
           <a:prstGeom prst="rect">
@@ -15441,7 +15345,7 @@
         </p:nvSpPr>
         <p:spPr>
           <a:xfrm>
-            <a:off x="3269541" y="4366611"/>
+            <a:off x="3355197" y="4006571"/>
             <a:ext cx="894957" cy="691277"/>
           </a:xfrm>
           <a:prstGeom prst="roundRect">
@@ -15487,7 +15391,7 @@
         </p:nvSpPr>
         <p:spPr>
           <a:xfrm>
-            <a:off x="3810976" y="4322653"/>
+            <a:off x="3896632" y="3962613"/>
             <a:ext cx="486640" cy="307777"/>
           </a:xfrm>
           <a:prstGeom prst="rect">
@@ -15517,7 +15421,7 @@
         </p:nvSpPr>
         <p:spPr>
           <a:xfrm>
-            <a:off x="4167248" y="4366611"/>
+            <a:off x="4252904" y="4006571"/>
             <a:ext cx="894957" cy="691277"/>
           </a:xfrm>
           <a:prstGeom prst="roundRect">
@@ -15563,7 +15467,7 @@
         </p:nvSpPr>
         <p:spPr>
           <a:xfrm>
-            <a:off x="4708683" y="4322653"/>
+            <a:off x="4794339" y="3962613"/>
             <a:ext cx="486640" cy="307777"/>
           </a:xfrm>
           <a:prstGeom prst="rect">
@@ -15631,7 +15535,7 @@
         </p:nvSpPr>
         <p:spPr>
           <a:xfrm>
-            <a:off x="6876256" y="2060848"/>
+            <a:off x="6961912" y="1700808"/>
             <a:ext cx="864096" cy="144016"/>
           </a:xfrm>
           <a:prstGeom prst="leftArrow">
@@ -15677,7 +15581,7 @@
         </p:nvSpPr>
         <p:spPr>
           <a:xfrm rot="10800000">
-            <a:off x="1475656" y="2708920"/>
+            <a:off x="1561312" y="2348880"/>
             <a:ext cx="5760000" cy="144016"/>
           </a:xfrm>
           <a:prstGeom prst="leftArrow">
@@ -15723,7 +15627,7 @@
         </p:nvSpPr>
         <p:spPr>
           <a:xfrm>
-            <a:off x="2195736" y="1628800"/>
+            <a:off x="2281392" y="1268760"/>
             <a:ext cx="3312368" cy="792088"/>
           </a:xfrm>
           <a:prstGeom prst="wedgeRectCallout">
@@ -16626,15 +16530,7 @@
                   <a:srgbClr val="A80000"/>
                 </a:solidFill>
               </a:rPr>
-              <a:t>  </a:t>
-            </a:r>
-            <a:r>
-              <a:rPr lang="en-US" altLang="ko-KR" sz="5400" b="1" dirty="0" smtClean="0">
-                <a:solidFill>
-                  <a:srgbClr val="A80000"/>
-                </a:solidFill>
-              </a:rPr>
-              <a:t>	</a:t>
+              <a:t>  	</a:t>
             </a:r>
             <a:r>
               <a:rPr lang="en-US" altLang="ko-KR" sz="5400" b="1" dirty="0" smtClean="0">
@@ -16642,15 +16538,7 @@
                   <a:schemeClr val="bg1"/>
                 </a:solidFill>
               </a:rPr>
-              <a:t>he </a:t>
-            </a:r>
-            <a:r>
-              <a:rPr lang="en-US" altLang="ko-KR" sz="5400" b="1" dirty="0" smtClean="0">
-                <a:solidFill>
-                  <a:schemeClr val="bg1"/>
-                </a:solidFill>
-              </a:rPr>
-              <a:t>End</a:t>
+              <a:t>he End</a:t>
             </a:r>
             <a:endParaRPr lang="ko-KR" altLang="en-US" sz="5400" b="1" dirty="0">
               <a:solidFill>
@@ -17053,7 +16941,7 @@
                 <a:latin typeface="+mj-lt"/>
                 <a:ea typeface="HY견고딕" pitchFamily="18" charset="-127"/>
               </a:rPr>
-              <a:t>Uni</a:t>
+              <a:t>Univ</a:t>
             </a:r>
             <a:endParaRPr lang="ko-KR" altLang="en-US" sz="3600" b="1" dirty="0">
               <a:solidFill>
@@ -17192,45 +17080,7 @@
                   </a:outerShdw>
                 </a:effectLst>
               </a:rPr>
-              <a:t>Let’s talk</a:t>
-            </a:r>
-            <a:r>
-              <a:rPr lang="en-US" altLang="ko-KR" sz="5400" b="1" cap="none" spc="0" dirty="0" smtClean="0">
-                <a:ln w="11430"/>
-                <a:gradFill>
-                  <a:gsLst>
-                    <a:gs pos="0">
-                      <a:schemeClr val="accent2">
-                        <a:tint val="70000"/>
-                        <a:satMod val="245000"/>
-                      </a:schemeClr>
-                    </a:gs>
-                    <a:gs pos="75000">
-                      <a:schemeClr val="accent2">
-                        <a:tint val="90000"/>
-                        <a:shade val="60000"/>
-                        <a:satMod val="240000"/>
-                      </a:schemeClr>
-                    </a:gs>
-                    <a:gs pos="100000">
-                      <a:schemeClr val="accent2">
-                        <a:tint val="100000"/>
-                        <a:shade val="50000"/>
-                        <a:satMod val="240000"/>
-                      </a:schemeClr>
-                    </a:gs>
-                  </a:gsLst>
-                  <a:lin ang="5400000"/>
-                </a:gradFill>
-                <a:effectLst>
-                  <a:outerShdw blurRad="50800" dist="39000" dir="5460000" algn="tl">
-                    <a:srgbClr val="000000">
-                      <a:alpha val="38000"/>
-                    </a:srgbClr>
-                  </a:outerShdw>
-                </a:effectLst>
-              </a:rPr>
-              <a:t>!!!</a:t>
+              <a:t>Let’s talk!!!</a:t>
             </a:r>
             <a:endParaRPr lang="ko-KR" altLang="en-US" sz="11500" b="1" cap="none" spc="0" dirty="0">
               <a:ln w="11430"/>
@@ -18943,53 +18793,41 @@
               <a:rPr lang="ko-KR" altLang="en-US" sz="2000" b="1" dirty="0" smtClean="0">
                 <a:latin typeface="+mj-lt"/>
               </a:rPr>
-              <a:t>메인 디자</a:t>
-            </a:r>
+              <a:t>메인 디자인</a:t>
+            </a:r>
+            <a:endParaRPr lang="ko-KR" altLang="en-US" sz="2000" b="1" dirty="0">
+              <a:latin typeface="+mj-lt"/>
+            </a:endParaRPr>
+          </a:p>
+        </p:txBody>
+      </p:sp>
+      <p:sp>
+        <p:nvSpPr>
+          <p:cNvPr id="36" name="TextBox 35"/>
+          <p:cNvSpPr txBox="1"/>
+          <p:nvPr/>
+        </p:nvSpPr>
+        <p:spPr>
+          <a:xfrm>
+            <a:off x="2555776" y="5579948"/>
+            <a:ext cx="1467068" cy="400110"/>
+          </a:xfrm>
+          <a:prstGeom prst="rect">
+            <a:avLst/>
+          </a:prstGeom>
+          <a:noFill/>
+        </p:spPr>
+        <p:txBody>
+          <a:bodyPr wrap="none" rtlCol="0">
+            <a:spAutoFit/>
+          </a:bodyPr>
+          <a:lstStyle/>
+          <a:p>
             <a:r>
               <a:rPr lang="ko-KR" altLang="en-US" sz="2000" b="1" dirty="0" smtClean="0">
                 <a:latin typeface="+mj-lt"/>
               </a:rPr>
-              <a:t>인</a:t>
-            </a:r>
-            <a:endParaRPr lang="ko-KR" altLang="en-US" sz="2000" b="1" dirty="0">
-              <a:latin typeface="+mj-lt"/>
-            </a:endParaRPr>
-          </a:p>
-        </p:txBody>
-      </p:sp>
-      <p:sp>
-        <p:nvSpPr>
-          <p:cNvPr id="36" name="TextBox 35"/>
-          <p:cNvSpPr txBox="1"/>
-          <p:nvPr/>
-        </p:nvSpPr>
-        <p:spPr>
-          <a:xfrm>
-            <a:off x="2555776" y="5579948"/>
-            <a:ext cx="1467068" cy="400110"/>
-          </a:xfrm>
-          <a:prstGeom prst="rect">
-            <a:avLst/>
-          </a:prstGeom>
-          <a:noFill/>
-        </p:spPr>
-        <p:txBody>
-          <a:bodyPr wrap="none" rtlCol="0">
-            <a:spAutoFit/>
-          </a:bodyPr>
-          <a:lstStyle/>
-          <a:p>
-            <a:r>
-              <a:rPr lang="ko-KR" altLang="en-US" sz="2000" b="1" dirty="0" smtClean="0">
-                <a:latin typeface="+mj-lt"/>
-              </a:rPr>
-              <a:t>스</a:t>
-            </a:r>
-            <a:r>
-              <a:rPr lang="ko-KR" altLang="en-US" sz="2000" b="1" dirty="0" smtClean="0">
-                <a:latin typeface="+mj-lt"/>
-              </a:rPr>
-              <a:t>토리보드</a:t>
+              <a:t>스토리보드</a:t>
             </a:r>
             <a:endParaRPr lang="ko-KR" altLang="en-US" sz="2000" b="1" dirty="0">
               <a:latin typeface="+mj-lt"/>
@@ -20316,32 +20154,6 @@
           </a:p>
         </p:txBody>
       </p:sp>
-      <p:pic>
-        <p:nvPicPr>
-          <p:cNvPr id="13" name="그림 12" descr="명지ui 레드.jpg"/>
-          <p:cNvPicPr>
-            <a:picLocks noChangeAspect="1"/>
-          </p:cNvPicPr>
-          <p:nvPr/>
-        </p:nvPicPr>
-        <p:blipFill>
-          <a:blip r:embed="rId3" cstate="print">
-            <a:lum bright="75000"/>
-          </a:blip>
-          <a:stretch>
-            <a:fillRect/>
-          </a:stretch>
-        </p:blipFill>
-        <p:spPr>
-          <a:xfrm>
-            <a:off x="2771800" y="1124744"/>
-            <a:ext cx="5191125" cy="5305425"/>
-          </a:xfrm>
-          <a:prstGeom prst="rect">
-            <a:avLst/>
-          </a:prstGeom>
-        </p:spPr>
-      </p:pic>
       <p:sp>
         <p:nvSpPr>
           <p:cNvPr id="9" name="TextBox 8"/>
@@ -20428,7 +20240,7 @@
           <p:nvPr/>
         </p:nvPicPr>
         <p:blipFill>
-          <a:blip r:embed="rId4" cstate="print"/>
+          <a:blip r:embed="rId3" cstate="print"/>
           <a:stretch>
             <a:fillRect/>
           </a:stretch>
@@ -20954,32 +20766,6 @@
           </a:p>
         </p:txBody>
       </p:sp>
-      <p:pic>
-        <p:nvPicPr>
-          <p:cNvPr id="13" name="그림 12" descr="명지ui 레드.jpg"/>
-          <p:cNvPicPr>
-            <a:picLocks noChangeAspect="1"/>
-          </p:cNvPicPr>
-          <p:nvPr/>
-        </p:nvPicPr>
-        <p:blipFill>
-          <a:blip r:embed="rId3" cstate="print">
-            <a:lum bright="75000"/>
-          </a:blip>
-          <a:stretch>
-            <a:fillRect/>
-          </a:stretch>
-        </p:blipFill>
-        <p:spPr>
-          <a:xfrm>
-            <a:off x="2771800" y="1124744"/>
-            <a:ext cx="5191125" cy="5305425"/>
-          </a:xfrm>
-          <a:prstGeom prst="rect">
-            <a:avLst/>
-          </a:prstGeom>
-        </p:spPr>
-      </p:pic>
       <p:sp>
         <p:nvSpPr>
           <p:cNvPr id="9" name="TextBox 8"/>
@@ -21066,7 +20852,7 @@
           <p:nvPr/>
         </p:nvPicPr>
         <p:blipFill>
-          <a:blip r:embed="rId4" cstate="print"/>
+          <a:blip r:embed="rId3" cstate="print"/>
           <a:stretch>
             <a:fillRect/>
           </a:stretch>
@@ -21090,7 +20876,7 @@
           <p:nvPr/>
         </p:nvPicPr>
         <p:blipFill>
-          <a:blip r:embed="rId4" cstate="print"/>
+          <a:blip r:embed="rId3" cstate="print"/>
           <a:srcRect l="66506" t="18253" r="481" b="53968"/>
           <a:stretch>
             <a:fillRect/>
@@ -22075,15 +21861,7 @@
             </a:pPr>
             <a:r>
               <a:rPr lang="ko-KR" altLang="en-US" sz="2400" b="1" dirty="0" smtClean="0"/>
-              <a:t>정</a:t>
-            </a:r>
-            <a:r>
-              <a:rPr lang="ko-KR" altLang="en-US" sz="2400" b="1" dirty="0" smtClean="0"/>
-              <a:t>보</a:t>
-            </a:r>
-            <a:r>
-              <a:rPr lang="ko-KR" altLang="en-US" sz="2400" b="1" dirty="0" smtClean="0"/>
-              <a:t>보다 광고로 가득 찬 신문기사 사이트는 </a:t>
+              <a:t>정보보다 광고로 가득 찬 신문기사 사이트는 </a:t>
             </a:r>
             <a:r>
               <a:rPr lang="en-US" altLang="ko-KR" sz="2400" b="1" dirty="0" smtClean="0"/>
@@ -22853,11 +22631,7 @@
             <a:p>
               <a:r>
                 <a:rPr lang="ko-KR" altLang="en-US" dirty="0" smtClean="0"/>
-                <a:t>쿠</a:t>
-              </a:r>
-              <a:r>
-                <a:rPr lang="ko-KR" altLang="en-US" dirty="0" smtClean="0"/>
-                <a:t>키</a:t>
+                <a:t>쿠키</a:t>
               </a:r>
               <a:endParaRPr lang="en-US" altLang="ko-KR" dirty="0" smtClean="0"/>
             </a:p>
@@ -23491,32 +23265,6 @@
           </a:p>
         </p:txBody>
       </p:sp>
-      <p:pic>
-        <p:nvPicPr>
-          <p:cNvPr id="10" name="그림 9" descr="명지ui 레드.jpg"/>
-          <p:cNvPicPr>
-            <a:picLocks noChangeAspect="1"/>
-          </p:cNvPicPr>
-          <p:nvPr/>
-        </p:nvPicPr>
-        <p:blipFill>
-          <a:blip r:embed="rId3" cstate="print">
-            <a:lum bright="75000"/>
-          </a:blip>
-          <a:stretch>
-            <a:fillRect/>
-          </a:stretch>
-        </p:blipFill>
-        <p:spPr>
-          <a:xfrm>
-            <a:off x="2771800" y="1124744"/>
-            <a:ext cx="5191125" cy="5305425"/>
-          </a:xfrm>
-          <a:prstGeom prst="rect">
-            <a:avLst/>
-          </a:prstGeom>
-        </p:spPr>
-      </p:pic>
       <p:sp>
         <p:nvSpPr>
           <p:cNvPr id="13" name="TextBox 12"/>
@@ -23591,7 +23339,7 @@
           <p:nvPr/>
         </p:nvPicPr>
         <p:blipFill>
-          <a:blip r:embed="rId4" cstate="print"/>
+          <a:blip r:embed="rId3" cstate="print"/>
           <a:stretch>
             <a:fillRect/>
           </a:stretch>
